--- a/topic08/talk02/APIs.pptx
+++ b/topic08/talk02/APIs.pptx
@@ -228,7 +228,7 @@
           <a:p>
             <a:fld id="{F0329A2A-9079-40FA-BFF1-B86DED55A545}" type="datetimeFigureOut">
               <a:rPr lang="en-US"/>
-              <a:t>3/22/2021</a:t>
+              <a:t>3/23/2021</a:t>
             </a:fld>
             <a:endParaRPr lang="en-US"/>
           </a:p>
@@ -1478,7 +1478,7 @@
           <a:p>
             <a:fld id="{846CE7D5-CF57-46EF-B807-FDD0502418D4}" type="datetimeFigureOut">
               <a:rPr lang="en-US" smtClean="0"/>
-              <a:t>3/22/2021</a:t>
+              <a:t>3/23/2021</a:t>
             </a:fld>
             <a:endParaRPr lang="en-US"/>
           </a:p>
@@ -1646,7 +1646,7 @@
           <a:p>
             <a:fld id="{846CE7D5-CF57-46EF-B807-FDD0502418D4}" type="datetimeFigureOut">
               <a:rPr lang="en-US" smtClean="0"/>
-              <a:t>3/22/2021</a:t>
+              <a:t>3/23/2021</a:t>
             </a:fld>
             <a:endParaRPr lang="en-US"/>
           </a:p>
@@ -1824,7 +1824,7 @@
           <a:p>
             <a:fld id="{846CE7D5-CF57-46EF-B807-FDD0502418D4}" type="datetimeFigureOut">
               <a:rPr lang="en-US" smtClean="0"/>
-              <a:t>3/22/2021</a:t>
+              <a:t>3/23/2021</a:t>
             </a:fld>
             <a:endParaRPr lang="en-US"/>
           </a:p>
@@ -1992,7 +1992,7 @@
           <a:p>
             <a:fld id="{846CE7D5-CF57-46EF-B807-FDD0502418D4}" type="datetimeFigureOut">
               <a:rPr lang="en-US" smtClean="0"/>
-              <a:t>3/22/2021</a:t>
+              <a:t>3/23/2021</a:t>
             </a:fld>
             <a:endParaRPr lang="en-US"/>
           </a:p>
@@ -2237,7 +2237,7 @@
           <a:p>
             <a:fld id="{846CE7D5-CF57-46EF-B807-FDD0502418D4}" type="datetimeFigureOut">
               <a:rPr lang="en-US" smtClean="0"/>
-              <a:t>3/22/2021</a:t>
+              <a:t>3/23/2021</a:t>
             </a:fld>
             <a:endParaRPr lang="en-US"/>
           </a:p>
@@ -2466,7 +2466,7 @@
           <a:p>
             <a:fld id="{846CE7D5-CF57-46EF-B807-FDD0502418D4}" type="datetimeFigureOut">
               <a:rPr lang="en-US" smtClean="0"/>
-              <a:t>3/22/2021</a:t>
+              <a:t>3/23/2021</a:t>
             </a:fld>
             <a:endParaRPr lang="en-US"/>
           </a:p>
@@ -2830,7 +2830,7 @@
           <a:p>
             <a:fld id="{846CE7D5-CF57-46EF-B807-FDD0502418D4}" type="datetimeFigureOut">
               <a:rPr lang="en-US" smtClean="0"/>
-              <a:t>3/22/2021</a:t>
+              <a:t>3/23/2021</a:t>
             </a:fld>
             <a:endParaRPr lang="en-US"/>
           </a:p>
@@ -2947,7 +2947,7 @@
           <a:p>
             <a:fld id="{846CE7D5-CF57-46EF-B807-FDD0502418D4}" type="datetimeFigureOut">
               <a:rPr lang="en-US" smtClean="0"/>
-              <a:t>3/22/2021</a:t>
+              <a:t>3/23/2021</a:t>
             </a:fld>
             <a:endParaRPr lang="en-US"/>
           </a:p>
@@ -3042,7 +3042,7 @@
           <a:p>
             <a:fld id="{846CE7D5-CF57-46EF-B807-FDD0502418D4}" type="datetimeFigureOut">
               <a:rPr lang="en-US" smtClean="0"/>
-              <a:t>3/22/2021</a:t>
+              <a:t>3/23/2021</a:t>
             </a:fld>
             <a:endParaRPr lang="en-US"/>
           </a:p>
@@ -3317,7 +3317,7 @@
           <a:p>
             <a:fld id="{846CE7D5-CF57-46EF-B807-FDD0502418D4}" type="datetimeFigureOut">
               <a:rPr lang="en-US" smtClean="0"/>
-              <a:t>3/22/2021</a:t>
+              <a:t>3/23/2021</a:t>
             </a:fld>
             <a:endParaRPr lang="en-US"/>
           </a:p>
@@ -3572,7 +3572,7 @@
           <a:p>
             <a:fld id="{846CE7D5-CF57-46EF-B807-FDD0502418D4}" type="datetimeFigureOut">
               <a:rPr lang="en-US" smtClean="0"/>
-              <a:t>3/22/2021</a:t>
+              <a:t>3/23/2021</a:t>
             </a:fld>
             <a:endParaRPr lang="en-US"/>
           </a:p>
@@ -3783,7 +3783,7 @@
           <a:p>
             <a:fld id="{846CE7D5-CF57-46EF-B807-FDD0502418D4}" type="datetimeFigureOut">
               <a:rPr lang="en-US" smtClean="0"/>
-              <a:t>3/22/2021</a:t>
+              <a:t>3/23/2021</a:t>
             </a:fld>
             <a:endParaRPr lang="en-US"/>
           </a:p>
@@ -14925,8 +14925,12 @@
           <a:lstStyle/>
           <a:p>
             <a:r>
+              <a:rPr lang="en-IE" dirty="0" err="1"/>
+              <a:t>OpenAPI</a:t>
+            </a:r>
+            <a:r>
               <a:rPr lang="en-IE" dirty="0"/>
-              <a:t>OPEN API &amp; Swagger</a:t>
+              <a:t> &amp; Swagger</a:t>
             </a:r>
           </a:p>
         </p:txBody>
@@ -14952,7 +14956,7 @@
           <a:bodyPr/>
           <a:lstStyle/>
           <a:p>
-            <a:endParaRPr lang="en-IE"/>
+            <a:endParaRPr lang="en-IE" dirty="0"/>
           </a:p>
         </p:txBody>
       </p:sp>
@@ -18532,72 +18536,76 @@
           <a:lstStyle/>
           <a:p>
             <a:r>
-              <a:rPr lang="en-IE" sz="1500"/>
+              <a:rPr lang="en-IE" sz="1500" dirty="0"/>
               <a:t>Programmatic interface exposed via the web</a:t>
             </a:r>
           </a:p>
           <a:p>
             <a:r>
-              <a:rPr lang="en-IE" sz="1500"/>
+              <a:rPr lang="en-IE" sz="1500" dirty="0"/>
               <a:t>Uses open standards typically with request-response messaging.</a:t>
             </a:r>
           </a:p>
           <a:p>
             <a:pPr lvl="1"/>
             <a:r>
-              <a:rPr lang="en-IE" sz="1500"/>
-              <a:t>E.g messages in JSON or XML</a:t>
+              <a:rPr lang="en-IE" sz="1500" dirty="0" err="1"/>
+              <a:t>E.g</a:t>
+            </a:r>
+            <a:r>
+              <a:rPr lang="en-IE" sz="1500" dirty="0"/>
+              <a:t> messages in JSON or XML</a:t>
             </a:r>
           </a:p>
           <a:p>
             <a:pPr lvl="1"/>
             <a:r>
-              <a:rPr lang="en-IE" sz="1500"/>
+              <a:rPr lang="en-IE" sz="1500" dirty="0"/>
               <a:t>HTTP as transport</a:t>
             </a:r>
           </a:p>
           <a:p>
             <a:pPr lvl="1"/>
             <a:r>
-              <a:rPr lang="en-IE" sz="1500"/>
+              <a:rPr lang="en-IE" sz="1500" dirty="0"/>
               <a:t>URIs</a:t>
             </a:r>
           </a:p>
           <a:p>
             <a:r>
-              <a:rPr lang="en-IE" sz="1500"/>
-              <a:t>Example would be Restful web service described in previous lectures.</a:t>
-            </a:r>
-          </a:p>
-          <a:p>
-            <a:r>
-              <a:rPr lang="en-IE" sz="1500"/>
+              <a:rPr lang="en-IE" sz="1500" dirty="0"/>
+              <a:t>Example would be web APIs described in previous lectures.</a:t>
+            </a:r>
+          </a:p>
+          <a:p>
+            <a:r>
+              <a:rPr lang="en-IE" sz="1500" dirty="0"/>
               <a:t>Typical use:</a:t>
             </a:r>
           </a:p>
           <a:p>
             <a:pPr lvl="1"/>
             <a:r>
-              <a:rPr lang="en-IE" sz="1500"/>
+              <a:rPr lang="en-IE" sz="1500" dirty="0"/>
               <a:t>Expose application functionality via the web</a:t>
             </a:r>
           </a:p>
           <a:p>
             <a:pPr lvl="1"/>
             <a:r>
-              <a:rPr lang="en-IE" sz="1500"/>
+              <a:rPr lang="en-IE" sz="1500" dirty="0"/>
               <a:t>Machine to machine communication</a:t>
             </a:r>
           </a:p>
           <a:p>
             <a:pPr lvl="1"/>
             <a:r>
-              <a:rPr lang="en-IE" sz="1500"/>
+              <a:rPr lang="en-IE" sz="1500" dirty="0"/>
               <a:t>Distributed systems</a:t>
             </a:r>
           </a:p>
           <a:p>
-            <a:endParaRPr lang="en-IE" sz="1500"/>
+            <a:endParaRPr lang="en-IE" sz="1500" dirty="0"/>
           </a:p>
         </p:txBody>
       </p:sp>
@@ -18617,13 +18625,13 @@
               </a:ext>
             </a:extLst>
           </a:blip>
-          <a:srcRect l="17453" r="-3" b="-3"/>
+          <a:srcRect l="1151" t="57" r="854" b="-1193"/>
           <a:stretch/>
         </p:blipFill>
         <p:spPr>
           <a:xfrm>
-            <a:off x="6098892" y="2492376"/>
-            <a:ext cx="4802404" cy="3563372"/>
+            <a:off x="5150578" y="2494449"/>
+            <a:ext cx="5700924" cy="3603745"/>
           </a:xfrm>
           <a:prstGeom prst="rect">
             <a:avLst/>
@@ -22708,12 +22716,6 @@
 </file>
 
 <file path=customXml/item1.xml><?xml version="1.0" encoding="utf-8"?>
-<p:properties xmlns:p="http://schemas.microsoft.com/office/2006/metadata/properties" xmlns:xsi="http://www.w3.org/2001/XMLSchema-instance" xmlns:pc="http://schemas.microsoft.com/office/infopath/2007/PartnerControls">
-  <documentManagement/>
-</p:properties>
-</file>
-
-<file path=customXml/item2.xml><?xml version="1.0" encoding="utf-8"?>
 <ct:contentTypeSchema xmlns:ct="http://schemas.microsoft.com/office/2006/metadata/contentType" xmlns:ma="http://schemas.microsoft.com/office/2006/metadata/properties/metaAttributes" ct:_="" ma:_="" ma:contentTypeName="Document" ma:contentTypeID="0x010100027B1FB1A458AA4FB1520DBCEEEF84AB" ma:contentTypeVersion="10" ma:contentTypeDescription="Create a new document." ma:contentTypeScope="" ma:versionID="80e6eefb936f797d5655855dd419b8d0">
   <xsd:schema xmlns:xsd="http://www.w3.org/2001/XMLSchema" xmlns:xs="http://www.w3.org/2001/XMLSchema" xmlns:p="http://schemas.microsoft.com/office/2006/metadata/properties" xmlns:ns3="2ce51dc8-c7fd-4e9f-aab7-66ee981bb74f" xmlns:ns4="4fa34961-db85-4b4a-bce8-6d4fac0faa91" targetNamespace="http://schemas.microsoft.com/office/2006/metadata/properties" ma:root="true" ma:fieldsID="5642072c215f5c8f7ec84511c98be178" ns3:_="" ns4:_="">
     <xsd:import namespace="2ce51dc8-c7fd-4e9f-aab7-66ee981bb74f"/>
@@ -22916,6 +22918,12 @@
 </ct:contentTypeSchema>
 </file>
 
+<file path=customXml/item2.xml><?xml version="1.0" encoding="utf-8"?>
+<p:properties xmlns:p="http://schemas.microsoft.com/office/2006/metadata/properties" xmlns:xsi="http://www.w3.org/2001/XMLSchema-instance" xmlns:pc="http://schemas.microsoft.com/office/infopath/2007/PartnerControls">
+  <documentManagement/>
+</p:properties>
+</file>
+
 <file path=customXml/item3.xml><?xml version="1.0" encoding="utf-8"?>
 <?mso-contentType ?>
 <FormTemplates xmlns="http://schemas.microsoft.com/sharepoint/v3/contenttype/forms">
@@ -22926,23 +22934,6 @@
 </file>
 
 <file path=customXml/itemProps1.xml><?xml version="1.0" encoding="utf-8"?>
-<ds:datastoreItem xmlns:ds="http://schemas.openxmlformats.org/officeDocument/2006/customXml" ds:itemID="{DA581383-3816-49BF-A165-E5B754F24280}">
-  <ds:schemaRefs>
-    <ds:schemaRef ds:uri="http://schemas.microsoft.com/office/2006/metadata/properties"/>
-    <ds:schemaRef ds:uri="http://schemas.microsoft.com/office/2006/documentManagement/types"/>
-    <ds:schemaRef ds:uri="http://schemas.openxmlformats.org/package/2006/metadata/core-properties"/>
-    <ds:schemaRef ds:uri="http://purl.org/dc/dcmitype/"/>
-    <ds:schemaRef ds:uri="http://schemas.microsoft.com/office/infopath/2007/PartnerControls"/>
-    <ds:schemaRef ds:uri="http://purl.org/dc/elements/1.1/"/>
-    <ds:schemaRef ds:uri="http://www.w3.org/XML/1998/namespace"/>
-    <ds:schemaRef ds:uri="4fa34961-db85-4b4a-bce8-6d4fac0faa91"/>
-    <ds:schemaRef ds:uri="2ce51dc8-c7fd-4e9f-aab7-66ee981bb74f"/>
-    <ds:schemaRef ds:uri="http://purl.org/dc/terms/"/>
-  </ds:schemaRefs>
-</ds:datastoreItem>
-</file>
-
-<file path=customXml/itemProps2.xml><?xml version="1.0" encoding="utf-8"?>
 <ds:datastoreItem xmlns:ds="http://schemas.openxmlformats.org/officeDocument/2006/customXml" ds:itemID="{1B46DE51-BBDC-464E-A412-C4EDF9EDD29B}">
   <ds:schemaRefs>
     <ds:schemaRef ds:uri="http://schemas.microsoft.com/office/2006/metadata/contentType"/>
@@ -22961,6 +22952,23 @@
 </ds:datastoreItem>
 </file>
 
+<file path=customXml/itemProps2.xml><?xml version="1.0" encoding="utf-8"?>
+<ds:datastoreItem xmlns:ds="http://schemas.openxmlformats.org/officeDocument/2006/customXml" ds:itemID="{DA581383-3816-49BF-A165-E5B754F24280}">
+  <ds:schemaRefs>
+    <ds:schemaRef ds:uri="http://schemas.microsoft.com/office/2006/metadata/properties"/>
+    <ds:schemaRef ds:uri="http://schemas.microsoft.com/office/2006/documentManagement/types"/>
+    <ds:schemaRef ds:uri="http://schemas.openxmlformats.org/package/2006/metadata/core-properties"/>
+    <ds:schemaRef ds:uri="http://purl.org/dc/dcmitype/"/>
+    <ds:schemaRef ds:uri="http://schemas.microsoft.com/office/infopath/2007/PartnerControls"/>
+    <ds:schemaRef ds:uri="http://purl.org/dc/elements/1.1/"/>
+    <ds:schemaRef ds:uri="http://www.w3.org/XML/1998/namespace"/>
+    <ds:schemaRef ds:uri="4fa34961-db85-4b4a-bce8-6d4fac0faa91"/>
+    <ds:schemaRef ds:uri="2ce51dc8-c7fd-4e9f-aab7-66ee981bb74f"/>
+    <ds:schemaRef ds:uri="http://purl.org/dc/terms/"/>
+  </ds:schemaRefs>
+</ds:datastoreItem>
+</file>
+
 <file path=customXml/itemProps3.xml><?xml version="1.0" encoding="utf-8"?>
 <ds:datastoreItem xmlns:ds="http://schemas.openxmlformats.org/officeDocument/2006/customXml" ds:itemID="{B8EFC965-3637-45D5-B4DF-7591A11F85C1}">
   <ds:schemaRefs>
